--- a/Increment 3/Documentation/Project_PPT.pptx
+++ b/Increment 3/Documentation/Project_PPT.pptx
@@ -312,7 +312,7 @@
           <a:p>
             <a:fld id="{F9CFD64F-A9CB-DF4D-B75B-C0ECCB8D2283}" type="datetimeFigureOut">
               <a:rPr lang="en-US" smtClean="0"/>
-              <a:t>7/27/2016</a:t>
+              <a:t>7/28/2016</a:t>
             </a:fld>
             <a:endParaRPr lang="en-US"/>
           </a:p>
@@ -480,7 +480,7 @@
           <a:p>
             <a:fld id="{F9CFD64F-A9CB-DF4D-B75B-C0ECCB8D2283}" type="datetimeFigureOut">
               <a:rPr lang="en-US" smtClean="0"/>
-              <a:t>7/27/2016</a:t>
+              <a:t>7/28/2016</a:t>
             </a:fld>
             <a:endParaRPr lang="en-US"/>
           </a:p>
@@ -658,7 +658,7 @@
           <a:p>
             <a:fld id="{F9CFD64F-A9CB-DF4D-B75B-C0ECCB8D2283}" type="datetimeFigureOut">
               <a:rPr lang="en-US" smtClean="0"/>
-              <a:t>7/27/2016</a:t>
+              <a:t>7/28/2016</a:t>
             </a:fld>
             <a:endParaRPr lang="en-US"/>
           </a:p>
@@ -775,7 +775,7 @@
           <a:p>
             <a:fld id="{F9CFD64F-A9CB-DF4D-B75B-C0ECCB8D2283}" type="datetimeFigureOut">
               <a:rPr lang="en-US" smtClean="0"/>
-              <a:t>7/27/2016</a:t>
+              <a:t>7/28/2016</a:t>
             </a:fld>
             <a:endParaRPr lang="en-US"/>
           </a:p>
@@ -892,7 +892,7 @@
           <a:p>
             <a:fld id="{F9CFD64F-A9CB-DF4D-B75B-C0ECCB8D2283}" type="datetimeFigureOut">
               <a:rPr lang="en-US" smtClean="0"/>
-              <a:t>7/27/2016</a:t>
+              <a:t>7/28/2016</a:t>
             </a:fld>
             <a:endParaRPr lang="en-US"/>
           </a:p>
@@ -1132,7 +1132,7 @@
           <a:p>
             <a:fld id="{DD2A2399-3C9C-6B45-A20A-3D6766199C84}" type="datetimeFigureOut">
               <a:rPr lang="en-US" smtClean="0"/>
-              <a:t>7/27/2016</a:t>
+              <a:t>7/28/2016</a:t>
             </a:fld>
             <a:endParaRPr lang="en-US"/>
           </a:p>
@@ -1300,7 +1300,7 @@
           <a:p>
             <a:fld id="{DD2A2399-3C9C-6B45-A20A-3D6766199C84}" type="datetimeFigureOut">
               <a:rPr lang="en-US" smtClean="0"/>
-              <a:t>7/27/2016</a:t>
+              <a:t>7/28/2016</a:t>
             </a:fld>
             <a:endParaRPr lang="en-US"/>
           </a:p>
@@ -1545,7 +1545,7 @@
           <a:p>
             <a:fld id="{DD2A2399-3C9C-6B45-A20A-3D6766199C84}" type="datetimeFigureOut">
               <a:rPr lang="en-US" smtClean="0"/>
-              <a:t>7/27/2016</a:t>
+              <a:t>7/28/2016</a:t>
             </a:fld>
             <a:endParaRPr lang="en-US"/>
           </a:p>
@@ -1830,7 +1830,7 @@
           <a:p>
             <a:fld id="{DD2A2399-3C9C-6B45-A20A-3D6766199C84}" type="datetimeFigureOut">
               <a:rPr lang="en-US" smtClean="0"/>
-              <a:t>7/27/2016</a:t>
+              <a:t>7/28/2016</a:t>
             </a:fld>
             <a:endParaRPr lang="en-US"/>
           </a:p>
@@ -2249,7 +2249,7 @@
           <a:p>
             <a:fld id="{DD2A2399-3C9C-6B45-A20A-3D6766199C84}" type="datetimeFigureOut">
               <a:rPr lang="en-US" smtClean="0"/>
-              <a:t>7/27/2016</a:t>
+              <a:t>7/28/2016</a:t>
             </a:fld>
             <a:endParaRPr lang="en-US"/>
           </a:p>
@@ -2366,7 +2366,7 @@
           <a:p>
             <a:fld id="{DD2A2399-3C9C-6B45-A20A-3D6766199C84}" type="datetimeFigureOut">
               <a:rPr lang="en-US" smtClean="0"/>
-              <a:t>7/27/2016</a:t>
+              <a:t>7/28/2016</a:t>
             </a:fld>
             <a:endParaRPr lang="en-US"/>
           </a:p>
@@ -2534,7 +2534,7 @@
           <a:p>
             <a:fld id="{F9CFD64F-A9CB-DF4D-B75B-C0ECCB8D2283}" type="datetimeFigureOut">
               <a:rPr lang="en-US" smtClean="0"/>
-              <a:t>7/27/2016</a:t>
+              <a:t>7/28/2016</a:t>
             </a:fld>
             <a:endParaRPr lang="en-US"/>
           </a:p>
@@ -2629,7 +2629,7 @@
           <a:p>
             <a:fld id="{DD2A2399-3C9C-6B45-A20A-3D6766199C84}" type="datetimeFigureOut">
               <a:rPr lang="en-US" smtClean="0"/>
-              <a:t>7/27/2016</a:t>
+              <a:t>7/28/2016</a:t>
             </a:fld>
             <a:endParaRPr lang="en-US"/>
           </a:p>
@@ -2904,7 +2904,7 @@
           <a:p>
             <a:fld id="{DD2A2399-3C9C-6B45-A20A-3D6766199C84}" type="datetimeFigureOut">
               <a:rPr lang="en-US" smtClean="0"/>
-              <a:t>7/27/2016</a:t>
+              <a:t>7/28/2016</a:t>
             </a:fld>
             <a:endParaRPr lang="en-US"/>
           </a:p>
@@ -3156,7 +3156,7 @@
           <a:p>
             <a:fld id="{DD2A2399-3C9C-6B45-A20A-3D6766199C84}" type="datetimeFigureOut">
               <a:rPr lang="en-US" smtClean="0"/>
-              <a:t>7/27/2016</a:t>
+              <a:t>7/28/2016</a:t>
             </a:fld>
             <a:endParaRPr lang="en-US"/>
           </a:p>
@@ -3324,7 +3324,7 @@
           <a:p>
             <a:fld id="{DD2A2399-3C9C-6B45-A20A-3D6766199C84}" type="datetimeFigureOut">
               <a:rPr lang="en-US" smtClean="0"/>
-              <a:t>7/27/2016</a:t>
+              <a:t>7/28/2016</a:t>
             </a:fld>
             <a:endParaRPr lang="en-US"/>
           </a:p>
@@ -3502,7 +3502,7 @@
           <a:p>
             <a:fld id="{DD2A2399-3C9C-6B45-A20A-3D6766199C84}" type="datetimeFigureOut">
               <a:rPr lang="en-US" smtClean="0"/>
-              <a:t>7/27/2016</a:t>
+              <a:t>7/28/2016</a:t>
             </a:fld>
             <a:endParaRPr lang="en-US"/>
           </a:p>
@@ -3747,7 +3747,7 @@
           <a:p>
             <a:fld id="{F9CFD64F-A9CB-DF4D-B75B-C0ECCB8D2283}" type="datetimeFigureOut">
               <a:rPr lang="en-US" smtClean="0"/>
-              <a:t>7/27/2016</a:t>
+              <a:t>7/28/2016</a:t>
             </a:fld>
             <a:endParaRPr lang="en-US"/>
           </a:p>
@@ -4032,7 +4032,7 @@
           <a:p>
             <a:fld id="{F9CFD64F-A9CB-DF4D-B75B-C0ECCB8D2283}" type="datetimeFigureOut">
               <a:rPr lang="en-US" smtClean="0"/>
-              <a:t>7/27/2016</a:t>
+              <a:t>7/28/2016</a:t>
             </a:fld>
             <a:endParaRPr lang="en-US"/>
           </a:p>
@@ -4451,7 +4451,7 @@
           <a:p>
             <a:fld id="{F9CFD64F-A9CB-DF4D-B75B-C0ECCB8D2283}" type="datetimeFigureOut">
               <a:rPr lang="en-US" smtClean="0"/>
-              <a:t>7/27/2016</a:t>
+              <a:t>7/28/2016</a:t>
             </a:fld>
             <a:endParaRPr lang="en-US"/>
           </a:p>
@@ -4568,7 +4568,7 @@
           <a:p>
             <a:fld id="{F9CFD64F-A9CB-DF4D-B75B-C0ECCB8D2283}" type="datetimeFigureOut">
               <a:rPr lang="en-US" smtClean="0"/>
-              <a:t>7/27/2016</a:t>
+              <a:t>7/28/2016</a:t>
             </a:fld>
             <a:endParaRPr lang="en-US"/>
           </a:p>
@@ -4663,7 +4663,7 @@
           <a:p>
             <a:fld id="{F9CFD64F-A9CB-DF4D-B75B-C0ECCB8D2283}" type="datetimeFigureOut">
               <a:rPr lang="en-US" smtClean="0"/>
-              <a:t>7/27/2016</a:t>
+              <a:t>7/28/2016</a:t>
             </a:fld>
             <a:endParaRPr lang="en-US"/>
           </a:p>
@@ -4938,7 +4938,7 @@
           <a:p>
             <a:fld id="{F9CFD64F-A9CB-DF4D-B75B-C0ECCB8D2283}" type="datetimeFigureOut">
               <a:rPr lang="en-US" smtClean="0"/>
-              <a:t>7/27/2016</a:t>
+              <a:t>7/28/2016</a:t>
             </a:fld>
             <a:endParaRPr lang="en-US"/>
           </a:p>
@@ -5190,7 +5190,7 @@
           <a:p>
             <a:fld id="{F9CFD64F-A9CB-DF4D-B75B-C0ECCB8D2283}" type="datetimeFigureOut">
               <a:rPr lang="en-US" smtClean="0"/>
-              <a:t>7/27/2016</a:t>
+              <a:t>7/28/2016</a:t>
             </a:fld>
             <a:endParaRPr lang="en-US"/>
           </a:p>
@@ -5407,7 +5407,7 @@
           <a:p>
             <a:fld id="{F9CFD64F-A9CB-DF4D-B75B-C0ECCB8D2283}" type="datetimeFigureOut">
               <a:rPr lang="en-US" smtClean="0"/>
-              <a:t>7/27/2016</a:t>
+              <a:t>7/28/2016</a:t>
             </a:fld>
             <a:endParaRPr lang="en-US"/>
           </a:p>
@@ -5923,7 +5923,7 @@
           <a:p>
             <a:fld id="{DD2A2399-3C9C-6B45-A20A-3D6766199C84}" type="datetimeFigureOut">
               <a:rPr lang="en-US" smtClean="0"/>
-              <a:t>7/27/2016</a:t>
+              <a:t>7/28/2016</a:t>
             </a:fld>
             <a:endParaRPr lang="en-US"/>
           </a:p>
@@ -7362,8 +7362,10 @@
       </p:sp>
       <p:pic>
         <p:nvPicPr>
-          <p:cNvPr id="4" name="Picture 3"/>
-          <p:cNvPicPr/>
+          <p:cNvPr id="3" name="Picture 2"/>
+          <p:cNvPicPr>
+            <a:picLocks noChangeAspect="1"/>
+          </p:cNvPicPr>
           <p:nvPr/>
         </p:nvPicPr>
         <p:blipFill>
@@ -7374,8 +7376,8 @@
         </p:blipFill>
         <p:spPr>
           <a:xfrm>
-            <a:off x="1123950" y="1647825"/>
-            <a:ext cx="6562725" cy="3857625"/>
+            <a:off x="1000125" y="1711421"/>
+            <a:ext cx="6402388" cy="4080414"/>
           </a:xfrm>
           <a:prstGeom prst="rect">
             <a:avLst/>
